--- a/doc/Task06/E-Rezept.pptx
+++ b/doc/Task06/E-Rezept.pptx
@@ -243,7 +243,7 @@
           <a:p>
             <a:fld id="{2077321B-280C-48A1-BCCC-AAC9A441E364}" type="datetimeFigureOut">
               <a:rPr lang="de-CH" smtClean="0"/>
-              <a:t>27.10.2015</a:t>
+              <a:t>29.10.2015</a:t>
             </a:fld>
             <a:endParaRPr lang="de-CH"/>
           </a:p>
@@ -413,7 +413,7 @@
           <a:p>
             <a:fld id="{2077321B-280C-48A1-BCCC-AAC9A441E364}" type="datetimeFigureOut">
               <a:rPr lang="de-CH" smtClean="0"/>
-              <a:t>27.10.2015</a:t>
+              <a:t>29.10.2015</a:t>
             </a:fld>
             <a:endParaRPr lang="de-CH"/>
           </a:p>
@@ -593,7 +593,7 @@
           <a:p>
             <a:fld id="{2077321B-280C-48A1-BCCC-AAC9A441E364}" type="datetimeFigureOut">
               <a:rPr lang="de-CH" smtClean="0"/>
-              <a:t>27.10.2015</a:t>
+              <a:t>29.10.2015</a:t>
             </a:fld>
             <a:endParaRPr lang="de-CH"/>
           </a:p>
@@ -763,7 +763,7 @@
           <a:p>
             <a:fld id="{2077321B-280C-48A1-BCCC-AAC9A441E364}" type="datetimeFigureOut">
               <a:rPr lang="de-CH" smtClean="0"/>
-              <a:t>27.10.2015</a:t>
+              <a:t>29.10.2015</a:t>
             </a:fld>
             <a:endParaRPr lang="de-CH"/>
           </a:p>
@@ -1009,7 +1009,7 @@
           <a:p>
             <a:fld id="{2077321B-280C-48A1-BCCC-AAC9A441E364}" type="datetimeFigureOut">
               <a:rPr lang="de-CH" smtClean="0"/>
-              <a:t>27.10.2015</a:t>
+              <a:t>29.10.2015</a:t>
             </a:fld>
             <a:endParaRPr lang="de-CH"/>
           </a:p>
@@ -1241,7 +1241,7 @@
           <a:p>
             <a:fld id="{2077321B-280C-48A1-BCCC-AAC9A441E364}" type="datetimeFigureOut">
               <a:rPr lang="de-CH" smtClean="0"/>
-              <a:t>27.10.2015</a:t>
+              <a:t>29.10.2015</a:t>
             </a:fld>
             <a:endParaRPr lang="de-CH"/>
           </a:p>
@@ -1608,7 +1608,7 @@
           <a:p>
             <a:fld id="{2077321B-280C-48A1-BCCC-AAC9A441E364}" type="datetimeFigureOut">
               <a:rPr lang="de-CH" smtClean="0"/>
-              <a:t>27.10.2015</a:t>
+              <a:t>29.10.2015</a:t>
             </a:fld>
             <a:endParaRPr lang="de-CH"/>
           </a:p>
@@ -1726,7 +1726,7 @@
           <a:p>
             <a:fld id="{2077321B-280C-48A1-BCCC-AAC9A441E364}" type="datetimeFigureOut">
               <a:rPr lang="de-CH" smtClean="0"/>
-              <a:t>27.10.2015</a:t>
+              <a:t>29.10.2015</a:t>
             </a:fld>
             <a:endParaRPr lang="de-CH"/>
           </a:p>
@@ -1821,7 +1821,7 @@
           <a:p>
             <a:fld id="{2077321B-280C-48A1-BCCC-AAC9A441E364}" type="datetimeFigureOut">
               <a:rPr lang="de-CH" smtClean="0"/>
-              <a:t>27.10.2015</a:t>
+              <a:t>29.10.2015</a:t>
             </a:fld>
             <a:endParaRPr lang="de-CH"/>
           </a:p>
@@ -2098,7 +2098,7 @@
           <a:p>
             <a:fld id="{2077321B-280C-48A1-BCCC-AAC9A441E364}" type="datetimeFigureOut">
               <a:rPr lang="de-CH" smtClean="0"/>
-              <a:t>27.10.2015</a:t>
+              <a:t>29.10.2015</a:t>
             </a:fld>
             <a:endParaRPr lang="de-CH"/>
           </a:p>
@@ -2351,7 +2351,7 @@
           <a:p>
             <a:fld id="{2077321B-280C-48A1-BCCC-AAC9A441E364}" type="datetimeFigureOut">
               <a:rPr lang="de-CH" smtClean="0"/>
-              <a:t>27.10.2015</a:t>
+              <a:t>29.10.2015</a:t>
             </a:fld>
             <a:endParaRPr lang="de-CH"/>
           </a:p>
@@ -2564,7 +2564,7 @@
           <a:p>
             <a:fld id="{2077321B-280C-48A1-BCCC-AAC9A441E364}" type="datetimeFigureOut">
               <a:rPr lang="de-CH" smtClean="0"/>
-              <a:t>27.10.2015</a:t>
+              <a:t>29.10.2015</a:t>
             </a:fld>
             <a:endParaRPr lang="de-CH"/>
           </a:p>
@@ -3171,8 +3171,8 @@
         </p:nvSpPr>
         <p:spPr>
           <a:xfrm>
-            <a:off x="1185823" y="3485501"/>
-            <a:ext cx="3013643" cy="2125254"/>
+            <a:off x="1185824" y="3485501"/>
+            <a:ext cx="2799036" cy="1413758"/>
           </a:xfrm>
           <a:prstGeom prst="snip1Rect">
             <a:avLst/>
@@ -3201,7 +3201,11 @@
             <a:pPr algn="ctr"/>
             <a:r>
               <a:rPr lang="de-CH" dirty="0" smtClean="0"/>
-              <a:t>Der Patient ruft die Datenbank der Rezepte auf, um diese auf seinem Device zu aktualisieren. Mit dieser Liste kann er zum Apotheker gehen und sie sich aushändigen lassen.</a:t>
+              <a:t>Der Patient ruft die Datenbank der Rezepte auf, </a:t>
+            </a:r>
+            <a:r>
+              <a:rPr lang="de-CH" dirty="0" smtClean="0"/>
+              <a:t>um die hinterlegten Rezepte abzugleichen.</a:t>
             </a:r>
             <a:endParaRPr lang="de-CH" dirty="0"/>
           </a:p>
@@ -3218,8 +3222,8 @@
         </p:nvCxnSpPr>
         <p:spPr>
           <a:xfrm flipH="1">
-            <a:off x="2692645" y="1495098"/>
-            <a:ext cx="1376748" cy="1990403"/>
+            <a:off x="2585342" y="1495098"/>
+            <a:ext cx="1484051" cy="1990403"/>
           </a:xfrm>
           <a:prstGeom prst="line">
             <a:avLst/>
@@ -3432,7 +3436,7 @@
             <a:pPr algn="ctr"/>
             <a:r>
               <a:rPr lang="de-CH" dirty="0" smtClean="0"/>
-              <a:t>Ausgabe QR-Code</a:t>
+              <a:t>Neuer Rezepteintrag</a:t>
             </a:r>
             <a:endParaRPr lang="de-CH" dirty="0"/>
           </a:p>
@@ -3621,7 +3625,11 @@
           <a:p>
             <a:r>
               <a:rPr lang="de-CH" dirty="0" smtClean="0"/>
-              <a:t>[findet Einträge]</a:t>
+              <a:t>[findet </a:t>
+            </a:r>
+            <a:r>
+              <a:rPr lang="de-CH" dirty="0" smtClean="0"/>
+              <a:t>Einträge]</a:t>
             </a:r>
             <a:endParaRPr lang="de-CH" dirty="0"/>
           </a:p>
